--- a/Voting Predictions.pptx
+++ b/Voting Predictions.pptx
@@ -107,7 +107,49 @@
       </a:defRPr>
     </a:lvl9pPr>
   </p:defaultTextStyle>
+  <p:extLst>
+    <p:ext uri="{EFAFB233-063F-42B5-8137-9DF3F51BA10A}">
+      <p15:sldGuideLst xmlns:p15="http://schemas.microsoft.com/office/powerpoint/2012/main"/>
+    </p:ext>
+  </p:extLst>
 </p:presentation>
+</file>
+
+<file path=ppt/changesInfos/changesInfo1.xml><?xml version="1.0" encoding="utf-8"?>
+<pc:chgInfo xmlns:a="http://schemas.openxmlformats.org/drawingml/2006/main" xmlns:r="http://schemas.openxmlformats.org/officeDocument/2006/relationships" xmlns:ac="http://schemas.microsoft.com/office/drawing/2013/main/command" xmlns:pc="http://schemas.microsoft.com/office/powerpoint/2013/main/command">
+  <pc:docChgLst>
+    <pc:chgData name="Isabelle Scrimsher" userId="d11969233042b3d9" providerId="LiveId" clId="{6EA781BF-5F2A-47D3-936F-4D9233D7CCE6}"/>
+    <pc:docChg chg="modSld">
+      <pc:chgData name="Isabelle Scrimsher" userId="d11969233042b3d9" providerId="LiveId" clId="{6EA781BF-5F2A-47D3-936F-4D9233D7CCE6}" dt="2024-03-27T22:06:26.637" v="4" actId="1076"/>
+      <pc:docMkLst>
+        <pc:docMk/>
+      </pc:docMkLst>
+      <pc:sldChg chg="addSp modSp mod">
+        <pc:chgData name="Isabelle Scrimsher" userId="d11969233042b3d9" providerId="LiveId" clId="{6EA781BF-5F2A-47D3-936F-4D9233D7CCE6}" dt="2024-03-27T22:06:26.637" v="4" actId="1076"/>
+        <pc:sldMkLst>
+          <pc:docMk/>
+          <pc:sldMk cId="1834660416" sldId="258"/>
+        </pc:sldMkLst>
+        <pc:picChg chg="add mod">
+          <ac:chgData name="Isabelle Scrimsher" userId="d11969233042b3d9" providerId="LiveId" clId="{6EA781BF-5F2A-47D3-936F-4D9233D7CCE6}" dt="2024-03-27T22:05:16.009" v="2" actId="1076"/>
+          <ac:picMkLst>
+            <pc:docMk/>
+            <pc:sldMk cId="1834660416" sldId="258"/>
+            <ac:picMk id="4" creationId="{DC1CD940-20E5-7FDD-32E5-39828F711750}"/>
+          </ac:picMkLst>
+        </pc:picChg>
+        <pc:picChg chg="add mod">
+          <ac:chgData name="Isabelle Scrimsher" userId="d11969233042b3d9" providerId="LiveId" clId="{6EA781BF-5F2A-47D3-936F-4D9233D7CCE6}" dt="2024-03-27T22:06:26.637" v="4" actId="1076"/>
+          <ac:picMkLst>
+            <pc:docMk/>
+            <pc:sldMk cId="1834660416" sldId="258"/>
+            <ac:picMk id="7" creationId="{E0CA45CB-CC90-B1F0-D41C-DA169171BC1D}"/>
+          </ac:picMkLst>
+        </pc:picChg>
+      </pc:sldChg>
+    </pc:docChg>
+  </pc:docChgLst>
+</pc:chgInfo>
 </file>
 
 <file path=ppt/diagrams/colors1.xml><?xml version="1.0" encoding="utf-8"?>
@@ -10323,6 +10365,66 @@
           </a:graphicData>
         </a:graphic>
       </p:graphicFrame>
+      <p:pic>
+        <p:nvPicPr>
+          <p:cNvPr id="4" name="Picture 3">
+            <a:extLst>
+              <a:ext uri="{FF2B5EF4-FFF2-40B4-BE49-F238E27FC236}">
+                <a16:creationId xmlns:a16="http://schemas.microsoft.com/office/drawing/2014/main" id="{DC1CD940-20E5-7FDD-32E5-39828F711750}"/>
+              </a:ext>
+            </a:extLst>
+          </p:cNvPr>
+          <p:cNvPicPr>
+            <a:picLocks noChangeAspect="1"/>
+          </p:cNvPicPr>
+          <p:nvPr/>
+        </p:nvPicPr>
+        <p:blipFill>
+          <a:blip r:embed="rId9"/>
+          <a:stretch>
+            <a:fillRect/>
+          </a:stretch>
+        </p:blipFill>
+        <p:spPr>
+          <a:xfrm>
+            <a:off x="6474245" y="5978391"/>
+            <a:ext cx="5585944" cy="632515"/>
+          </a:xfrm>
+          <a:prstGeom prst="rect">
+            <a:avLst/>
+          </a:prstGeom>
+        </p:spPr>
+      </p:pic>
+      <p:pic>
+        <p:nvPicPr>
+          <p:cNvPr id="7" name="Picture 6">
+            <a:extLst>
+              <a:ext uri="{FF2B5EF4-FFF2-40B4-BE49-F238E27FC236}">
+                <a16:creationId xmlns:a16="http://schemas.microsoft.com/office/drawing/2014/main" id="{E0CA45CB-CC90-B1F0-D41C-DA169171BC1D}"/>
+              </a:ext>
+            </a:extLst>
+          </p:cNvPr>
+          <p:cNvPicPr>
+            <a:picLocks noChangeAspect="1"/>
+          </p:cNvPicPr>
+          <p:nvPr/>
+        </p:nvPicPr>
+        <p:blipFill>
+          <a:blip r:embed="rId10"/>
+          <a:stretch>
+            <a:fillRect/>
+          </a:stretch>
+        </p:blipFill>
+        <p:spPr>
+          <a:xfrm>
+            <a:off x="138161" y="5970771"/>
+            <a:ext cx="6454699" cy="640135"/>
+          </a:xfrm>
+          <a:prstGeom prst="rect">
+            <a:avLst/>
+          </a:prstGeom>
+        </p:spPr>
+      </p:pic>
     </p:spTree>
     <p:extLst>
       <p:ext uri="{BB962C8B-B14F-4D97-AF65-F5344CB8AC3E}">

--- a/Voting Predictions.pptx
+++ b/Voting Predictions.pptx
@@ -9,6 +9,7 @@
     <p:sldId id="257" r:id="rId3"/>
     <p:sldId id="258" r:id="rId4"/>
     <p:sldId id="259" r:id="rId5"/>
+    <p:sldId id="260" r:id="rId6"/>
   </p:sldIdLst>
   <p:sldSz cx="12192000" cy="6858000"/>
   <p:notesSz cx="6858000" cy="9144000"/>
@@ -119,8 +120,8 @@
 <pc:chgInfo xmlns:a="http://schemas.openxmlformats.org/drawingml/2006/main" xmlns:r="http://schemas.openxmlformats.org/officeDocument/2006/relationships" xmlns:ac="http://schemas.microsoft.com/office/drawing/2013/main/command" xmlns:pc="http://schemas.microsoft.com/office/powerpoint/2013/main/command">
   <pc:docChgLst>
     <pc:chgData name="Isabelle Scrimsher" userId="d11969233042b3d9" providerId="LiveId" clId="{6EA781BF-5F2A-47D3-936F-4D9233D7CCE6}"/>
-    <pc:docChg chg="modSld">
-      <pc:chgData name="Isabelle Scrimsher" userId="d11969233042b3d9" providerId="LiveId" clId="{6EA781BF-5F2A-47D3-936F-4D9233D7CCE6}" dt="2024-03-27T22:06:26.637" v="4" actId="1076"/>
+    <pc:docChg chg="addSld modSld">
+      <pc:chgData name="Isabelle Scrimsher" userId="d11969233042b3d9" providerId="LiveId" clId="{6EA781BF-5F2A-47D3-936F-4D9233D7CCE6}" dt="2024-03-27T22:08:23.086" v="15" actId="20577"/>
       <pc:docMkLst>
         <pc:docMk/>
       </pc:docMkLst>
@@ -146,6 +147,29 @@
             <ac:picMk id="7" creationId="{E0CA45CB-CC90-B1F0-D41C-DA169171BC1D}"/>
           </ac:picMkLst>
         </pc:picChg>
+      </pc:sldChg>
+      <pc:sldChg chg="modSp new mod">
+        <pc:chgData name="Isabelle Scrimsher" userId="d11969233042b3d9" providerId="LiveId" clId="{6EA781BF-5F2A-47D3-936F-4D9233D7CCE6}" dt="2024-03-27T22:08:23.086" v="15" actId="20577"/>
+        <pc:sldMkLst>
+          <pc:docMk/>
+          <pc:sldMk cId="3570428940" sldId="260"/>
+        </pc:sldMkLst>
+        <pc:spChg chg="mod">
+          <ac:chgData name="Isabelle Scrimsher" userId="d11969233042b3d9" providerId="LiveId" clId="{6EA781BF-5F2A-47D3-936F-4D9233D7CCE6}" dt="2024-03-27T22:08:23.086" v="15" actId="20577"/>
+          <ac:spMkLst>
+            <pc:docMk/>
+            <pc:sldMk cId="3570428940" sldId="260"/>
+            <ac:spMk id="2" creationId="{9DD215AA-3683-5003-3974-B2EF0353F132}"/>
+          </ac:spMkLst>
+        </pc:spChg>
+        <pc:spChg chg="mod">
+          <ac:chgData name="Isabelle Scrimsher" userId="d11969233042b3d9" providerId="LiveId" clId="{6EA781BF-5F2A-47D3-936F-4D9233D7CCE6}" dt="2024-03-27T22:08:17.791" v="6"/>
+          <ac:spMkLst>
+            <pc:docMk/>
+            <pc:sldMk cId="3570428940" sldId="260"/>
+            <ac:spMk id="3" creationId="{84BF8C57-727D-E151-9491-AF84EF872038}"/>
+          </ac:spMkLst>
+        </pc:spChg>
       </pc:sldChg>
     </pc:docChg>
   </pc:docChgLst>
@@ -11195,6 +11219,126 @@
 </p:sld>
 </file>
 
+<file path=ppt/slides/slide5.xml><?xml version="1.0" encoding="utf-8"?>
+<p:sld xmlns:a="http://schemas.openxmlformats.org/drawingml/2006/main" xmlns:r="http://schemas.openxmlformats.org/officeDocument/2006/relationships" xmlns:p="http://schemas.openxmlformats.org/presentationml/2006/main">
+  <p:cSld>
+    <p:spTree>
+      <p:nvGrpSpPr>
+        <p:cNvPr id="1" name=""/>
+        <p:cNvGrpSpPr/>
+        <p:nvPr/>
+      </p:nvGrpSpPr>
+      <p:grpSpPr>
+        <a:xfrm>
+          <a:off x="0" y="0"/>
+          <a:ext cx="0" cy="0"/>
+          <a:chOff x="0" y="0"/>
+          <a:chExt cx="0" cy="0"/>
+        </a:xfrm>
+      </p:grpSpPr>
+      <p:sp>
+        <p:nvSpPr>
+          <p:cNvPr id="2" name="Title 1">
+            <a:extLst>
+              <a:ext uri="{FF2B5EF4-FFF2-40B4-BE49-F238E27FC236}">
+                <a16:creationId xmlns:a16="http://schemas.microsoft.com/office/drawing/2014/main" id="{9DD215AA-3683-5003-3974-B2EF0353F132}"/>
+              </a:ext>
+            </a:extLst>
+          </p:cNvPr>
+          <p:cNvSpPr>
+            <a:spLocks noGrp="1"/>
+          </p:cNvSpPr>
+          <p:nvPr>
+            <p:ph type="title"/>
+          </p:nvPr>
+        </p:nvSpPr>
+        <p:spPr/>
+        <p:txBody>
+          <a:bodyPr/>
+          <a:lstStyle/>
+          <a:p>
+            <a:r>
+              <a:rPr lang="en-US" dirty="0"/>
+              <a:t>Resources</a:t>
+            </a:r>
+          </a:p>
+        </p:txBody>
+      </p:sp>
+      <p:sp>
+        <p:nvSpPr>
+          <p:cNvPr id="3" name="Content Placeholder 2">
+            <a:extLst>
+              <a:ext uri="{FF2B5EF4-FFF2-40B4-BE49-F238E27FC236}">
+                <a16:creationId xmlns:a16="http://schemas.microsoft.com/office/drawing/2014/main" id="{84BF8C57-727D-E151-9491-AF84EF872038}"/>
+              </a:ext>
+            </a:extLst>
+          </p:cNvPr>
+          <p:cNvSpPr>
+            <a:spLocks noGrp="1"/>
+          </p:cNvSpPr>
+          <p:nvPr>
+            <p:ph idx="1"/>
+          </p:nvPr>
+        </p:nvSpPr>
+        <p:spPr/>
+        <p:txBody>
+          <a:bodyPr/>
+          <a:lstStyle/>
+          <a:p>
+            <a:pPr algn="l"/>
+            <a:r>
+              <a:rPr lang="en-US" sz="1800" b="0" i="0" u="none" strike="noStrike" baseline="0" dirty="0">
+                <a:latin typeface="CourierNewPSMT"/>
+              </a:rPr>
+              <a:t>American National Election Studies. 2021. </a:t>
+            </a:r>
+            <a:r>
+              <a:rPr lang="en-US" sz="1800" b="0" i="1" u="none" strike="noStrike" baseline="0" dirty="0">
+                <a:latin typeface="CourierNewPS-ItalicMT"/>
+              </a:rPr>
+              <a:t>ANES 2020 Time Series</a:t>
+            </a:r>
+          </a:p>
+          <a:p>
+            <a:pPr algn="l"/>
+            <a:r>
+              <a:rPr lang="en-US" sz="1800" b="0" i="1" u="none" strike="noStrike" baseline="0" dirty="0">
+                <a:latin typeface="CourierNewPS-ItalicMT"/>
+              </a:rPr>
+              <a:t>Study Full Release </a:t>
+            </a:r>
+            <a:r>
+              <a:rPr lang="en-US" sz="1800" b="0" i="0" u="none" strike="noStrike" baseline="0" dirty="0">
+                <a:latin typeface="CourierNewPSMT"/>
+              </a:rPr>
+              <a:t>[dataset and documentation]. July 19, 2021</a:t>
+            </a:r>
+          </a:p>
+          <a:p>
+            <a:pPr algn="l"/>
+            <a:r>
+              <a:rPr lang="en-US" sz="1800" b="0" i="0" u="none" strike="noStrike" baseline="0" dirty="0">
+                <a:latin typeface="CourierNewPSMT"/>
+              </a:rPr>
+              <a:t>version. www.electionstudies.org</a:t>
+            </a:r>
+            <a:endParaRPr lang="en-US" dirty="0"/>
+          </a:p>
+        </p:txBody>
+      </p:sp>
+    </p:spTree>
+    <p:extLst>
+      <p:ext uri="{BB962C8B-B14F-4D97-AF65-F5344CB8AC3E}">
+        <p14:creationId xmlns:p14="http://schemas.microsoft.com/office/powerpoint/2010/main" val="3570428940"/>
+      </p:ext>
+    </p:extLst>
+  </p:cSld>
+  <p:clrMapOvr>
+    <a:masterClrMapping/>
+  </p:clrMapOvr>
+</p:sld>
+</file>
+
 <file path=ppt/theme/theme1.xml><?xml version="1.0" encoding="utf-8"?>
 <a:theme xmlns:a="http://schemas.openxmlformats.org/drawingml/2006/main" name="Wood Type">
   <a:themeElements>
